--- a/OPERATING SYSTEMS PROJECT.pptx
+++ b/OPERATING SYSTEMS PROJECT.pptx
@@ -116,7 +116,7 @@
   </p:defaultTextStyle>
   <p:extLst>
     <p:ext uri="{EFAFB233-063F-42B5-8137-9DF3F51BA10A}">
-      <p15:sldGuideLst xmlns:p15="http://schemas.microsoft.com/office/powerpoint/2012/main" xmlns=""/>
+      <p15:sldGuideLst xmlns:p15="http://schemas.microsoft.com/office/powerpoint/2012/main"/>
     </p:ext>
   </p:extLst>
 </p:presentation>
@@ -127,7 +127,7 @@
   <p:cmAuthor id="1" name="Jai Garg" initials="JG" lastIdx="1" clrIdx="0">
     <p:extLst>
       <p:ext uri="{19B8F6BF-5375-455C-9EA6-DF929625EA0E}">
-        <p15:presenceInfo xmlns:p15="http://schemas.microsoft.com/office/powerpoint/2012/main" xmlns="" userId="51dee0bc7418f72d" providerId="Windows Live"/>
+        <p15:presenceInfo xmlns:p15="http://schemas.microsoft.com/office/powerpoint/2012/main" userId="51dee0bc7418f72d" providerId="Windows Live"/>
       </p:ext>
     </p:extLst>
   </p:cmAuthor>
@@ -156,7 +156,7 @@
           <p:cNvPr id="2" name="Title 1">
             <a:extLst>
               <a:ext uri="{FF2B5EF4-FFF2-40B4-BE49-F238E27FC236}">
-                <a16:creationId xmlns:a16="http://schemas.microsoft.com/office/drawing/2014/main" xmlns="" id="{599F1454-59BD-4D99-8D6C-B6008055BADC}"/>
+                <a16:creationId xmlns:a16="http://schemas.microsoft.com/office/drawing/2014/main" id="{599F1454-59BD-4D99-8D6C-B6008055BADC}"/>
               </a:ext>
             </a:extLst>
           </p:cNvPr>
@@ -194,7 +194,7 @@
           <p:cNvPr id="3" name="Subtitle 2">
             <a:extLst>
               <a:ext uri="{FF2B5EF4-FFF2-40B4-BE49-F238E27FC236}">
-                <a16:creationId xmlns:a16="http://schemas.microsoft.com/office/drawing/2014/main" xmlns="" id="{7B4906FC-8E13-4BB0-B96A-1F958EE8AB6A}"/>
+                <a16:creationId xmlns:a16="http://schemas.microsoft.com/office/drawing/2014/main" id="{7B4906FC-8E13-4BB0-B96A-1F958EE8AB6A}"/>
               </a:ext>
             </a:extLst>
           </p:cNvPr>
@@ -265,7 +265,7 @@
           <p:cNvPr id="4" name="Date Placeholder 3">
             <a:extLst>
               <a:ext uri="{FF2B5EF4-FFF2-40B4-BE49-F238E27FC236}">
-                <a16:creationId xmlns:a16="http://schemas.microsoft.com/office/drawing/2014/main" xmlns="" id="{AD51DF0F-9EAA-42E1-9550-6F870C7F5DF2}"/>
+                <a16:creationId xmlns:a16="http://schemas.microsoft.com/office/drawing/2014/main" id="{AD51DF0F-9EAA-42E1-9550-6F870C7F5DF2}"/>
               </a:ext>
             </a:extLst>
           </p:cNvPr>
@@ -283,7 +283,7 @@
           <a:p>
             <a:fld id="{5227F555-24A3-4DF0-9D36-0451EA68597E}" type="datetimeFigureOut">
               <a:rPr lang="en-IN" smtClean="0"/>
-              <a:t>18/11/20</a:t>
+              <a:t>18-11-2020</a:t>
             </a:fld>
             <a:endParaRPr lang="en-IN" dirty="0"/>
           </a:p>
@@ -294,7 +294,7 @@
           <p:cNvPr id="5" name="Footer Placeholder 4">
             <a:extLst>
               <a:ext uri="{FF2B5EF4-FFF2-40B4-BE49-F238E27FC236}">
-                <a16:creationId xmlns:a16="http://schemas.microsoft.com/office/drawing/2014/main" xmlns="" id="{E960322E-7073-41FD-8897-86F91BBEFD9A}"/>
+                <a16:creationId xmlns:a16="http://schemas.microsoft.com/office/drawing/2014/main" id="{E960322E-7073-41FD-8897-86F91BBEFD9A}"/>
               </a:ext>
             </a:extLst>
           </p:cNvPr>
@@ -319,7 +319,7 @@
           <p:cNvPr id="6" name="Slide Number Placeholder 5">
             <a:extLst>
               <a:ext uri="{FF2B5EF4-FFF2-40B4-BE49-F238E27FC236}">
-                <a16:creationId xmlns:a16="http://schemas.microsoft.com/office/drawing/2014/main" xmlns="" id="{2C8624DF-A9DD-40EA-B2C4-BEE61FCC1C32}"/>
+                <a16:creationId xmlns:a16="http://schemas.microsoft.com/office/drawing/2014/main" id="{2C8624DF-A9DD-40EA-B2C4-BEE61FCC1C32}"/>
               </a:ext>
             </a:extLst>
           </p:cNvPr>
@@ -378,7 +378,7 @@
           <p:cNvPr id="2" name="Title 1">
             <a:extLst>
               <a:ext uri="{FF2B5EF4-FFF2-40B4-BE49-F238E27FC236}">
-                <a16:creationId xmlns:a16="http://schemas.microsoft.com/office/drawing/2014/main" xmlns="" id="{EB9EAD4B-E5BA-4071-8527-D7FDE9D65A46}"/>
+                <a16:creationId xmlns:a16="http://schemas.microsoft.com/office/drawing/2014/main" id="{EB9EAD4B-E5BA-4071-8527-D7FDE9D65A46}"/>
               </a:ext>
             </a:extLst>
           </p:cNvPr>
@@ -407,7 +407,7 @@
           <p:cNvPr id="3" name="Vertical Text Placeholder 2">
             <a:extLst>
               <a:ext uri="{FF2B5EF4-FFF2-40B4-BE49-F238E27FC236}">
-                <a16:creationId xmlns:a16="http://schemas.microsoft.com/office/drawing/2014/main" xmlns="" id="{494B6EC6-E170-4B09-ADB9-C21F17761D39}"/>
+                <a16:creationId xmlns:a16="http://schemas.microsoft.com/office/drawing/2014/main" id="{494B6EC6-E170-4B09-ADB9-C21F17761D39}"/>
               </a:ext>
             </a:extLst>
           </p:cNvPr>
@@ -465,7 +465,7 @@
           <p:cNvPr id="4" name="Date Placeholder 3">
             <a:extLst>
               <a:ext uri="{FF2B5EF4-FFF2-40B4-BE49-F238E27FC236}">
-                <a16:creationId xmlns:a16="http://schemas.microsoft.com/office/drawing/2014/main" xmlns="" id="{731EE1E7-0331-48A6-A461-18E23EC2442D}"/>
+                <a16:creationId xmlns:a16="http://schemas.microsoft.com/office/drawing/2014/main" id="{731EE1E7-0331-48A6-A461-18E23EC2442D}"/>
               </a:ext>
             </a:extLst>
           </p:cNvPr>
@@ -483,7 +483,7 @@
           <a:p>
             <a:fld id="{5227F555-24A3-4DF0-9D36-0451EA68597E}" type="datetimeFigureOut">
               <a:rPr lang="en-IN" smtClean="0"/>
-              <a:t>18/11/20</a:t>
+              <a:t>18-11-2020</a:t>
             </a:fld>
             <a:endParaRPr lang="en-IN" dirty="0"/>
           </a:p>
@@ -494,7 +494,7 @@
           <p:cNvPr id="5" name="Footer Placeholder 4">
             <a:extLst>
               <a:ext uri="{FF2B5EF4-FFF2-40B4-BE49-F238E27FC236}">
-                <a16:creationId xmlns:a16="http://schemas.microsoft.com/office/drawing/2014/main" xmlns="" id="{8C093836-E9A6-4B4F-9FB8-CA95F7FE9FF5}"/>
+                <a16:creationId xmlns:a16="http://schemas.microsoft.com/office/drawing/2014/main" id="{8C093836-E9A6-4B4F-9FB8-CA95F7FE9FF5}"/>
               </a:ext>
             </a:extLst>
           </p:cNvPr>
@@ -519,7 +519,7 @@
           <p:cNvPr id="6" name="Slide Number Placeholder 5">
             <a:extLst>
               <a:ext uri="{FF2B5EF4-FFF2-40B4-BE49-F238E27FC236}">
-                <a16:creationId xmlns:a16="http://schemas.microsoft.com/office/drawing/2014/main" xmlns="" id="{740BF3E6-4211-4537-88D7-CB699A07E190}"/>
+                <a16:creationId xmlns:a16="http://schemas.microsoft.com/office/drawing/2014/main" id="{740BF3E6-4211-4537-88D7-CB699A07E190}"/>
               </a:ext>
             </a:extLst>
           </p:cNvPr>
@@ -578,7 +578,7 @@
           <p:cNvPr id="2" name="Vertical Title 1">
             <a:extLst>
               <a:ext uri="{FF2B5EF4-FFF2-40B4-BE49-F238E27FC236}">
-                <a16:creationId xmlns:a16="http://schemas.microsoft.com/office/drawing/2014/main" xmlns="" id="{0CF4769D-1382-4B25-817C-2163374837A8}"/>
+                <a16:creationId xmlns:a16="http://schemas.microsoft.com/office/drawing/2014/main" id="{0CF4769D-1382-4B25-817C-2163374837A8}"/>
               </a:ext>
             </a:extLst>
           </p:cNvPr>
@@ -612,7 +612,7 @@
           <p:cNvPr id="3" name="Vertical Text Placeholder 2">
             <a:extLst>
               <a:ext uri="{FF2B5EF4-FFF2-40B4-BE49-F238E27FC236}">
-                <a16:creationId xmlns:a16="http://schemas.microsoft.com/office/drawing/2014/main" xmlns="" id="{61EE9F41-79D7-478C-B63E-44F1C1946ADE}"/>
+                <a16:creationId xmlns:a16="http://schemas.microsoft.com/office/drawing/2014/main" id="{61EE9F41-79D7-478C-B63E-44F1C1946ADE}"/>
               </a:ext>
             </a:extLst>
           </p:cNvPr>
@@ -675,7 +675,7 @@
           <p:cNvPr id="4" name="Date Placeholder 3">
             <a:extLst>
               <a:ext uri="{FF2B5EF4-FFF2-40B4-BE49-F238E27FC236}">
-                <a16:creationId xmlns:a16="http://schemas.microsoft.com/office/drawing/2014/main" xmlns="" id="{AD722CD2-5278-48CF-A48A-50670C345743}"/>
+                <a16:creationId xmlns:a16="http://schemas.microsoft.com/office/drawing/2014/main" id="{AD722CD2-5278-48CF-A48A-50670C345743}"/>
               </a:ext>
             </a:extLst>
           </p:cNvPr>
@@ -693,7 +693,7 @@
           <a:p>
             <a:fld id="{5227F555-24A3-4DF0-9D36-0451EA68597E}" type="datetimeFigureOut">
               <a:rPr lang="en-IN" smtClean="0"/>
-              <a:t>18/11/20</a:t>
+              <a:t>18-11-2020</a:t>
             </a:fld>
             <a:endParaRPr lang="en-IN" dirty="0"/>
           </a:p>
@@ -704,7 +704,7 @@
           <p:cNvPr id="5" name="Footer Placeholder 4">
             <a:extLst>
               <a:ext uri="{FF2B5EF4-FFF2-40B4-BE49-F238E27FC236}">
-                <a16:creationId xmlns:a16="http://schemas.microsoft.com/office/drawing/2014/main" xmlns="" id="{2CFC1827-ACBC-4680-9B37-985D382C4AB4}"/>
+                <a16:creationId xmlns:a16="http://schemas.microsoft.com/office/drawing/2014/main" id="{2CFC1827-ACBC-4680-9B37-985D382C4AB4}"/>
               </a:ext>
             </a:extLst>
           </p:cNvPr>
@@ -729,7 +729,7 @@
           <p:cNvPr id="6" name="Slide Number Placeholder 5">
             <a:extLst>
               <a:ext uri="{FF2B5EF4-FFF2-40B4-BE49-F238E27FC236}">
-                <a16:creationId xmlns:a16="http://schemas.microsoft.com/office/drawing/2014/main" xmlns="" id="{A2B5C6E9-C772-4C81-B9A6-3E6C3A5437CE}"/>
+                <a16:creationId xmlns:a16="http://schemas.microsoft.com/office/drawing/2014/main" id="{A2B5C6E9-C772-4C81-B9A6-3E6C3A5437CE}"/>
               </a:ext>
             </a:extLst>
           </p:cNvPr>
@@ -788,7 +788,7 @@
           <p:cNvPr id="2" name="Title 1">
             <a:extLst>
               <a:ext uri="{FF2B5EF4-FFF2-40B4-BE49-F238E27FC236}">
-                <a16:creationId xmlns:a16="http://schemas.microsoft.com/office/drawing/2014/main" xmlns="" id="{3F42A8BE-C24F-46FC-AF05-5B9D2DD46B9E}"/>
+                <a16:creationId xmlns:a16="http://schemas.microsoft.com/office/drawing/2014/main" id="{3F42A8BE-C24F-46FC-AF05-5B9D2DD46B9E}"/>
               </a:ext>
             </a:extLst>
           </p:cNvPr>
@@ -817,7 +817,7 @@
           <p:cNvPr id="3" name="Content Placeholder 2">
             <a:extLst>
               <a:ext uri="{FF2B5EF4-FFF2-40B4-BE49-F238E27FC236}">
-                <a16:creationId xmlns:a16="http://schemas.microsoft.com/office/drawing/2014/main" xmlns="" id="{C4C6FF9F-A6DE-4869-BD3A-71CFE190A911}"/>
+                <a16:creationId xmlns:a16="http://schemas.microsoft.com/office/drawing/2014/main" id="{C4C6FF9F-A6DE-4869-BD3A-71CFE190A911}"/>
               </a:ext>
             </a:extLst>
           </p:cNvPr>
@@ -875,7 +875,7 @@
           <p:cNvPr id="4" name="Date Placeholder 3">
             <a:extLst>
               <a:ext uri="{FF2B5EF4-FFF2-40B4-BE49-F238E27FC236}">
-                <a16:creationId xmlns:a16="http://schemas.microsoft.com/office/drawing/2014/main" xmlns="" id="{F28EBA48-1367-4F9E-A449-FF8F2FA5CF17}"/>
+                <a16:creationId xmlns:a16="http://schemas.microsoft.com/office/drawing/2014/main" id="{F28EBA48-1367-4F9E-A449-FF8F2FA5CF17}"/>
               </a:ext>
             </a:extLst>
           </p:cNvPr>
@@ -893,7 +893,7 @@
           <a:p>
             <a:fld id="{5227F555-24A3-4DF0-9D36-0451EA68597E}" type="datetimeFigureOut">
               <a:rPr lang="en-IN" smtClean="0"/>
-              <a:t>18/11/20</a:t>
+              <a:t>18-11-2020</a:t>
             </a:fld>
             <a:endParaRPr lang="en-IN" dirty="0"/>
           </a:p>
@@ -904,7 +904,7 @@
           <p:cNvPr id="5" name="Footer Placeholder 4">
             <a:extLst>
               <a:ext uri="{FF2B5EF4-FFF2-40B4-BE49-F238E27FC236}">
-                <a16:creationId xmlns:a16="http://schemas.microsoft.com/office/drawing/2014/main" xmlns="" id="{A294EC79-0C3E-48D2-9D15-740B35235337}"/>
+                <a16:creationId xmlns:a16="http://schemas.microsoft.com/office/drawing/2014/main" id="{A294EC79-0C3E-48D2-9D15-740B35235337}"/>
               </a:ext>
             </a:extLst>
           </p:cNvPr>
@@ -929,7 +929,7 @@
           <p:cNvPr id="6" name="Slide Number Placeholder 5">
             <a:extLst>
               <a:ext uri="{FF2B5EF4-FFF2-40B4-BE49-F238E27FC236}">
-                <a16:creationId xmlns:a16="http://schemas.microsoft.com/office/drawing/2014/main" xmlns="" id="{C98594B4-6B82-4D03-AA25-77A7936B1D3E}"/>
+                <a16:creationId xmlns:a16="http://schemas.microsoft.com/office/drawing/2014/main" id="{C98594B4-6B82-4D03-AA25-77A7936B1D3E}"/>
               </a:ext>
             </a:extLst>
           </p:cNvPr>
@@ -988,7 +988,7 @@
           <p:cNvPr id="2" name="Title 1">
             <a:extLst>
               <a:ext uri="{FF2B5EF4-FFF2-40B4-BE49-F238E27FC236}">
-                <a16:creationId xmlns:a16="http://schemas.microsoft.com/office/drawing/2014/main" xmlns="" id="{1E12DA1F-B4D4-4F4C-B331-C2B29537CDD2}"/>
+                <a16:creationId xmlns:a16="http://schemas.microsoft.com/office/drawing/2014/main" id="{1E12DA1F-B4D4-4F4C-B331-C2B29537CDD2}"/>
               </a:ext>
             </a:extLst>
           </p:cNvPr>
@@ -1026,7 +1026,7 @@
           <p:cNvPr id="3" name="Text Placeholder 2">
             <a:extLst>
               <a:ext uri="{FF2B5EF4-FFF2-40B4-BE49-F238E27FC236}">
-                <a16:creationId xmlns:a16="http://schemas.microsoft.com/office/drawing/2014/main" xmlns="" id="{FFBB8C9A-0824-429D-85C4-FA3E7BEEF187}"/>
+                <a16:creationId xmlns:a16="http://schemas.microsoft.com/office/drawing/2014/main" id="{FFBB8C9A-0824-429D-85C4-FA3E7BEEF187}"/>
               </a:ext>
             </a:extLst>
           </p:cNvPr>
@@ -1151,7 +1151,7 @@
           <p:cNvPr id="4" name="Date Placeholder 3">
             <a:extLst>
               <a:ext uri="{FF2B5EF4-FFF2-40B4-BE49-F238E27FC236}">
-                <a16:creationId xmlns:a16="http://schemas.microsoft.com/office/drawing/2014/main" xmlns="" id="{16C886DE-BF79-4F93-97AE-49F93D5D5878}"/>
+                <a16:creationId xmlns:a16="http://schemas.microsoft.com/office/drawing/2014/main" id="{16C886DE-BF79-4F93-97AE-49F93D5D5878}"/>
               </a:ext>
             </a:extLst>
           </p:cNvPr>
@@ -1169,7 +1169,7 @@
           <a:p>
             <a:fld id="{5227F555-24A3-4DF0-9D36-0451EA68597E}" type="datetimeFigureOut">
               <a:rPr lang="en-IN" smtClean="0"/>
-              <a:t>18/11/20</a:t>
+              <a:t>18-11-2020</a:t>
             </a:fld>
             <a:endParaRPr lang="en-IN" dirty="0"/>
           </a:p>
@@ -1180,7 +1180,7 @@
           <p:cNvPr id="5" name="Footer Placeholder 4">
             <a:extLst>
               <a:ext uri="{FF2B5EF4-FFF2-40B4-BE49-F238E27FC236}">
-                <a16:creationId xmlns:a16="http://schemas.microsoft.com/office/drawing/2014/main" xmlns="" id="{D4E826BB-AC97-4E9D-BBD5-50B7058A9F7C}"/>
+                <a16:creationId xmlns:a16="http://schemas.microsoft.com/office/drawing/2014/main" id="{D4E826BB-AC97-4E9D-BBD5-50B7058A9F7C}"/>
               </a:ext>
             </a:extLst>
           </p:cNvPr>
@@ -1205,7 +1205,7 @@
           <p:cNvPr id="6" name="Slide Number Placeholder 5">
             <a:extLst>
               <a:ext uri="{FF2B5EF4-FFF2-40B4-BE49-F238E27FC236}">
-                <a16:creationId xmlns:a16="http://schemas.microsoft.com/office/drawing/2014/main" xmlns="" id="{7408D7D2-E333-4B8D-BE69-E59AEC135A42}"/>
+                <a16:creationId xmlns:a16="http://schemas.microsoft.com/office/drawing/2014/main" id="{7408D7D2-E333-4B8D-BE69-E59AEC135A42}"/>
               </a:ext>
             </a:extLst>
           </p:cNvPr>
@@ -1264,7 +1264,7 @@
           <p:cNvPr id="2" name="Title 1">
             <a:extLst>
               <a:ext uri="{FF2B5EF4-FFF2-40B4-BE49-F238E27FC236}">
-                <a16:creationId xmlns:a16="http://schemas.microsoft.com/office/drawing/2014/main" xmlns="" id="{99CE6FC1-E0FC-43A0-9015-6D3B35E645A4}"/>
+                <a16:creationId xmlns:a16="http://schemas.microsoft.com/office/drawing/2014/main" id="{99CE6FC1-E0FC-43A0-9015-6D3B35E645A4}"/>
               </a:ext>
             </a:extLst>
           </p:cNvPr>
@@ -1293,7 +1293,7 @@
           <p:cNvPr id="3" name="Content Placeholder 2">
             <a:extLst>
               <a:ext uri="{FF2B5EF4-FFF2-40B4-BE49-F238E27FC236}">
-                <a16:creationId xmlns:a16="http://schemas.microsoft.com/office/drawing/2014/main" xmlns="" id="{84E1670A-B192-4AD6-A42E-6C882DA7540D}"/>
+                <a16:creationId xmlns:a16="http://schemas.microsoft.com/office/drawing/2014/main" id="{84E1670A-B192-4AD6-A42E-6C882DA7540D}"/>
               </a:ext>
             </a:extLst>
           </p:cNvPr>
@@ -1356,7 +1356,7 @@
           <p:cNvPr id="4" name="Content Placeholder 3">
             <a:extLst>
               <a:ext uri="{FF2B5EF4-FFF2-40B4-BE49-F238E27FC236}">
-                <a16:creationId xmlns:a16="http://schemas.microsoft.com/office/drawing/2014/main" xmlns="" id="{02C20938-406E-42CC-A2BD-C2F41C89692E}"/>
+                <a16:creationId xmlns:a16="http://schemas.microsoft.com/office/drawing/2014/main" id="{02C20938-406E-42CC-A2BD-C2F41C89692E}"/>
               </a:ext>
             </a:extLst>
           </p:cNvPr>
@@ -1419,7 +1419,7 @@
           <p:cNvPr id="5" name="Date Placeholder 4">
             <a:extLst>
               <a:ext uri="{FF2B5EF4-FFF2-40B4-BE49-F238E27FC236}">
-                <a16:creationId xmlns:a16="http://schemas.microsoft.com/office/drawing/2014/main" xmlns="" id="{9F439C1B-A1E5-46A3-B33A-5831DBF67842}"/>
+                <a16:creationId xmlns:a16="http://schemas.microsoft.com/office/drawing/2014/main" id="{9F439C1B-A1E5-46A3-B33A-5831DBF67842}"/>
               </a:ext>
             </a:extLst>
           </p:cNvPr>
@@ -1437,7 +1437,7 @@
           <a:p>
             <a:fld id="{5227F555-24A3-4DF0-9D36-0451EA68597E}" type="datetimeFigureOut">
               <a:rPr lang="en-IN" smtClean="0"/>
-              <a:t>18/11/20</a:t>
+              <a:t>18-11-2020</a:t>
             </a:fld>
             <a:endParaRPr lang="en-IN" dirty="0"/>
           </a:p>
@@ -1448,7 +1448,7 @@
           <p:cNvPr id="6" name="Footer Placeholder 5">
             <a:extLst>
               <a:ext uri="{FF2B5EF4-FFF2-40B4-BE49-F238E27FC236}">
-                <a16:creationId xmlns:a16="http://schemas.microsoft.com/office/drawing/2014/main" xmlns="" id="{9002918C-8392-406A-AE43-5579419E48A1}"/>
+                <a16:creationId xmlns:a16="http://schemas.microsoft.com/office/drawing/2014/main" id="{9002918C-8392-406A-AE43-5579419E48A1}"/>
               </a:ext>
             </a:extLst>
           </p:cNvPr>
@@ -1473,7 +1473,7 @@
           <p:cNvPr id="7" name="Slide Number Placeholder 6">
             <a:extLst>
               <a:ext uri="{FF2B5EF4-FFF2-40B4-BE49-F238E27FC236}">
-                <a16:creationId xmlns:a16="http://schemas.microsoft.com/office/drawing/2014/main" xmlns="" id="{9931DEF5-747B-4B4D-8E5D-19EFEFE3A57D}"/>
+                <a16:creationId xmlns:a16="http://schemas.microsoft.com/office/drawing/2014/main" id="{9931DEF5-747B-4B4D-8E5D-19EFEFE3A57D}"/>
               </a:ext>
             </a:extLst>
           </p:cNvPr>
@@ -1532,7 +1532,7 @@
           <p:cNvPr id="2" name="Title 1">
             <a:extLst>
               <a:ext uri="{FF2B5EF4-FFF2-40B4-BE49-F238E27FC236}">
-                <a16:creationId xmlns:a16="http://schemas.microsoft.com/office/drawing/2014/main" xmlns="" id="{656AB7EA-0C7A-4B3E-9E27-0B691DAC719C}"/>
+                <a16:creationId xmlns:a16="http://schemas.microsoft.com/office/drawing/2014/main" id="{656AB7EA-0C7A-4B3E-9E27-0B691DAC719C}"/>
               </a:ext>
             </a:extLst>
           </p:cNvPr>
@@ -1566,7 +1566,7 @@
           <p:cNvPr id="3" name="Text Placeholder 2">
             <a:extLst>
               <a:ext uri="{FF2B5EF4-FFF2-40B4-BE49-F238E27FC236}">
-                <a16:creationId xmlns:a16="http://schemas.microsoft.com/office/drawing/2014/main" xmlns="" id="{83BCAA17-67CF-4CDC-9F47-983D9C22898C}"/>
+                <a16:creationId xmlns:a16="http://schemas.microsoft.com/office/drawing/2014/main" id="{83BCAA17-67CF-4CDC-9F47-983D9C22898C}"/>
               </a:ext>
             </a:extLst>
           </p:cNvPr>
@@ -1637,7 +1637,7 @@
           <p:cNvPr id="4" name="Content Placeholder 3">
             <a:extLst>
               <a:ext uri="{FF2B5EF4-FFF2-40B4-BE49-F238E27FC236}">
-                <a16:creationId xmlns:a16="http://schemas.microsoft.com/office/drawing/2014/main" xmlns="" id="{4CC3011B-E9A6-4FF0-834A-5FC485A1B6C2}"/>
+                <a16:creationId xmlns:a16="http://schemas.microsoft.com/office/drawing/2014/main" id="{4CC3011B-E9A6-4FF0-834A-5FC485A1B6C2}"/>
               </a:ext>
             </a:extLst>
           </p:cNvPr>
@@ -1700,7 +1700,7 @@
           <p:cNvPr id="5" name="Text Placeholder 4">
             <a:extLst>
               <a:ext uri="{FF2B5EF4-FFF2-40B4-BE49-F238E27FC236}">
-                <a16:creationId xmlns:a16="http://schemas.microsoft.com/office/drawing/2014/main" xmlns="" id="{4669D354-7372-4600-AF62-E3C222C4F8FF}"/>
+                <a16:creationId xmlns:a16="http://schemas.microsoft.com/office/drawing/2014/main" id="{4669D354-7372-4600-AF62-E3C222C4F8FF}"/>
               </a:ext>
             </a:extLst>
           </p:cNvPr>
@@ -1771,7 +1771,7 @@
           <p:cNvPr id="6" name="Content Placeholder 5">
             <a:extLst>
               <a:ext uri="{FF2B5EF4-FFF2-40B4-BE49-F238E27FC236}">
-                <a16:creationId xmlns:a16="http://schemas.microsoft.com/office/drawing/2014/main" xmlns="" id="{6A45D5EF-B277-4B99-8291-3462F8AFB6F9}"/>
+                <a16:creationId xmlns:a16="http://schemas.microsoft.com/office/drawing/2014/main" id="{6A45D5EF-B277-4B99-8291-3462F8AFB6F9}"/>
               </a:ext>
             </a:extLst>
           </p:cNvPr>
@@ -1834,7 +1834,7 @@
           <p:cNvPr id="7" name="Date Placeholder 6">
             <a:extLst>
               <a:ext uri="{FF2B5EF4-FFF2-40B4-BE49-F238E27FC236}">
-                <a16:creationId xmlns:a16="http://schemas.microsoft.com/office/drawing/2014/main" xmlns="" id="{5FC6A055-3147-44A5-8625-602B21F1FE8C}"/>
+                <a16:creationId xmlns:a16="http://schemas.microsoft.com/office/drawing/2014/main" id="{5FC6A055-3147-44A5-8625-602B21F1FE8C}"/>
               </a:ext>
             </a:extLst>
           </p:cNvPr>
@@ -1852,7 +1852,7 @@
           <a:p>
             <a:fld id="{5227F555-24A3-4DF0-9D36-0451EA68597E}" type="datetimeFigureOut">
               <a:rPr lang="en-IN" smtClean="0"/>
-              <a:t>18/11/20</a:t>
+              <a:t>18-11-2020</a:t>
             </a:fld>
             <a:endParaRPr lang="en-IN" dirty="0"/>
           </a:p>
@@ -1863,7 +1863,7 @@
           <p:cNvPr id="8" name="Footer Placeholder 7">
             <a:extLst>
               <a:ext uri="{FF2B5EF4-FFF2-40B4-BE49-F238E27FC236}">
-                <a16:creationId xmlns:a16="http://schemas.microsoft.com/office/drawing/2014/main" xmlns="" id="{AE583B3D-A12F-4819-92A4-E8444EDCB926}"/>
+                <a16:creationId xmlns:a16="http://schemas.microsoft.com/office/drawing/2014/main" id="{AE583B3D-A12F-4819-92A4-E8444EDCB926}"/>
               </a:ext>
             </a:extLst>
           </p:cNvPr>
@@ -1888,7 +1888,7 @@
           <p:cNvPr id="9" name="Slide Number Placeholder 8">
             <a:extLst>
               <a:ext uri="{FF2B5EF4-FFF2-40B4-BE49-F238E27FC236}">
-                <a16:creationId xmlns:a16="http://schemas.microsoft.com/office/drawing/2014/main" xmlns="" id="{2D8C8963-4F0A-407F-9C56-1F054B4F6B2B}"/>
+                <a16:creationId xmlns:a16="http://schemas.microsoft.com/office/drawing/2014/main" id="{2D8C8963-4F0A-407F-9C56-1F054B4F6B2B}"/>
               </a:ext>
             </a:extLst>
           </p:cNvPr>
@@ -1947,7 +1947,7 @@
           <p:cNvPr id="2" name="Title 1">
             <a:extLst>
               <a:ext uri="{FF2B5EF4-FFF2-40B4-BE49-F238E27FC236}">
-                <a16:creationId xmlns:a16="http://schemas.microsoft.com/office/drawing/2014/main" xmlns="" id="{D5290DC8-290B-46E9-8C83-EF228DDCB4BA}"/>
+                <a16:creationId xmlns:a16="http://schemas.microsoft.com/office/drawing/2014/main" id="{D5290DC8-290B-46E9-8C83-EF228DDCB4BA}"/>
               </a:ext>
             </a:extLst>
           </p:cNvPr>
@@ -1976,7 +1976,7 @@
           <p:cNvPr id="3" name="Date Placeholder 2">
             <a:extLst>
               <a:ext uri="{FF2B5EF4-FFF2-40B4-BE49-F238E27FC236}">
-                <a16:creationId xmlns:a16="http://schemas.microsoft.com/office/drawing/2014/main" xmlns="" id="{EA50C2EF-206A-45DE-831E-4DDA93D1289D}"/>
+                <a16:creationId xmlns:a16="http://schemas.microsoft.com/office/drawing/2014/main" id="{EA50C2EF-206A-45DE-831E-4DDA93D1289D}"/>
               </a:ext>
             </a:extLst>
           </p:cNvPr>
@@ -1994,7 +1994,7 @@
           <a:p>
             <a:fld id="{5227F555-24A3-4DF0-9D36-0451EA68597E}" type="datetimeFigureOut">
               <a:rPr lang="en-IN" smtClean="0"/>
-              <a:t>18/11/20</a:t>
+              <a:t>18-11-2020</a:t>
             </a:fld>
             <a:endParaRPr lang="en-IN" dirty="0"/>
           </a:p>
@@ -2005,7 +2005,7 @@
           <p:cNvPr id="4" name="Footer Placeholder 3">
             <a:extLst>
               <a:ext uri="{FF2B5EF4-FFF2-40B4-BE49-F238E27FC236}">
-                <a16:creationId xmlns:a16="http://schemas.microsoft.com/office/drawing/2014/main" xmlns="" id="{1A4D1EE5-0542-4A0C-A602-396CFE9CAD0A}"/>
+                <a16:creationId xmlns:a16="http://schemas.microsoft.com/office/drawing/2014/main" id="{1A4D1EE5-0542-4A0C-A602-396CFE9CAD0A}"/>
               </a:ext>
             </a:extLst>
           </p:cNvPr>
@@ -2030,7 +2030,7 @@
           <p:cNvPr id="5" name="Slide Number Placeholder 4">
             <a:extLst>
               <a:ext uri="{FF2B5EF4-FFF2-40B4-BE49-F238E27FC236}">
-                <a16:creationId xmlns:a16="http://schemas.microsoft.com/office/drawing/2014/main" xmlns="" id="{48DDBDB3-45A7-4870-B2B2-46CE9885D84D}"/>
+                <a16:creationId xmlns:a16="http://schemas.microsoft.com/office/drawing/2014/main" id="{48DDBDB3-45A7-4870-B2B2-46CE9885D84D}"/>
               </a:ext>
             </a:extLst>
           </p:cNvPr>
@@ -2089,7 +2089,7 @@
           <p:cNvPr id="2" name="Date Placeholder 1">
             <a:extLst>
               <a:ext uri="{FF2B5EF4-FFF2-40B4-BE49-F238E27FC236}">
-                <a16:creationId xmlns:a16="http://schemas.microsoft.com/office/drawing/2014/main" xmlns="" id="{567F8FE8-91C0-4503-8D22-7DF4AFF72359}"/>
+                <a16:creationId xmlns:a16="http://schemas.microsoft.com/office/drawing/2014/main" id="{567F8FE8-91C0-4503-8D22-7DF4AFF72359}"/>
               </a:ext>
             </a:extLst>
           </p:cNvPr>
@@ -2107,7 +2107,7 @@
           <a:p>
             <a:fld id="{5227F555-24A3-4DF0-9D36-0451EA68597E}" type="datetimeFigureOut">
               <a:rPr lang="en-IN" smtClean="0"/>
-              <a:t>18/11/20</a:t>
+              <a:t>18-11-2020</a:t>
             </a:fld>
             <a:endParaRPr lang="en-IN" dirty="0"/>
           </a:p>
@@ -2118,7 +2118,7 @@
           <p:cNvPr id="3" name="Footer Placeholder 2">
             <a:extLst>
               <a:ext uri="{FF2B5EF4-FFF2-40B4-BE49-F238E27FC236}">
-                <a16:creationId xmlns:a16="http://schemas.microsoft.com/office/drawing/2014/main" xmlns="" id="{CD2133D8-7FA8-4B01-8FEF-DA278E73A5CA}"/>
+                <a16:creationId xmlns:a16="http://schemas.microsoft.com/office/drawing/2014/main" id="{CD2133D8-7FA8-4B01-8FEF-DA278E73A5CA}"/>
               </a:ext>
             </a:extLst>
           </p:cNvPr>
@@ -2143,7 +2143,7 @@
           <p:cNvPr id="4" name="Slide Number Placeholder 3">
             <a:extLst>
               <a:ext uri="{FF2B5EF4-FFF2-40B4-BE49-F238E27FC236}">
-                <a16:creationId xmlns:a16="http://schemas.microsoft.com/office/drawing/2014/main" xmlns="" id="{1ECDAC18-B0D2-40D7-864B-F16D6AA86783}"/>
+                <a16:creationId xmlns:a16="http://schemas.microsoft.com/office/drawing/2014/main" id="{1ECDAC18-B0D2-40D7-864B-F16D6AA86783}"/>
               </a:ext>
             </a:extLst>
           </p:cNvPr>
@@ -2202,7 +2202,7 @@
           <p:cNvPr id="2" name="Title 1">
             <a:extLst>
               <a:ext uri="{FF2B5EF4-FFF2-40B4-BE49-F238E27FC236}">
-                <a16:creationId xmlns:a16="http://schemas.microsoft.com/office/drawing/2014/main" xmlns="" id="{C37907B0-70D4-411F-BA4D-D996C12FF9E9}"/>
+                <a16:creationId xmlns:a16="http://schemas.microsoft.com/office/drawing/2014/main" id="{C37907B0-70D4-411F-BA4D-D996C12FF9E9}"/>
               </a:ext>
             </a:extLst>
           </p:cNvPr>
@@ -2240,7 +2240,7 @@
           <p:cNvPr id="3" name="Content Placeholder 2">
             <a:extLst>
               <a:ext uri="{FF2B5EF4-FFF2-40B4-BE49-F238E27FC236}">
-                <a16:creationId xmlns:a16="http://schemas.microsoft.com/office/drawing/2014/main" xmlns="" id="{8BD1969D-BA36-48AC-ACF3-4112B5C39932}"/>
+                <a16:creationId xmlns:a16="http://schemas.microsoft.com/office/drawing/2014/main" id="{8BD1969D-BA36-48AC-ACF3-4112B5C39932}"/>
               </a:ext>
             </a:extLst>
           </p:cNvPr>
@@ -2331,7 +2331,7 @@
           <p:cNvPr id="4" name="Text Placeholder 3">
             <a:extLst>
               <a:ext uri="{FF2B5EF4-FFF2-40B4-BE49-F238E27FC236}">
-                <a16:creationId xmlns:a16="http://schemas.microsoft.com/office/drawing/2014/main" xmlns="" id="{7ED92B6A-E81E-4E27-8D6A-CAD486A42CEC}"/>
+                <a16:creationId xmlns:a16="http://schemas.microsoft.com/office/drawing/2014/main" id="{7ED92B6A-E81E-4E27-8D6A-CAD486A42CEC}"/>
               </a:ext>
             </a:extLst>
           </p:cNvPr>
@@ -2402,7 +2402,7 @@
           <p:cNvPr id="5" name="Date Placeholder 4">
             <a:extLst>
               <a:ext uri="{FF2B5EF4-FFF2-40B4-BE49-F238E27FC236}">
-                <a16:creationId xmlns:a16="http://schemas.microsoft.com/office/drawing/2014/main" xmlns="" id="{5852CA13-AA33-4317-8620-DD8B4FE38BDD}"/>
+                <a16:creationId xmlns:a16="http://schemas.microsoft.com/office/drawing/2014/main" id="{5852CA13-AA33-4317-8620-DD8B4FE38BDD}"/>
               </a:ext>
             </a:extLst>
           </p:cNvPr>
@@ -2420,7 +2420,7 @@
           <a:p>
             <a:fld id="{5227F555-24A3-4DF0-9D36-0451EA68597E}" type="datetimeFigureOut">
               <a:rPr lang="en-IN" smtClean="0"/>
-              <a:t>18/11/20</a:t>
+              <a:t>18-11-2020</a:t>
             </a:fld>
             <a:endParaRPr lang="en-IN" dirty="0"/>
           </a:p>
@@ -2431,7 +2431,7 @@
           <p:cNvPr id="6" name="Footer Placeholder 5">
             <a:extLst>
               <a:ext uri="{FF2B5EF4-FFF2-40B4-BE49-F238E27FC236}">
-                <a16:creationId xmlns:a16="http://schemas.microsoft.com/office/drawing/2014/main" xmlns="" id="{EE6631E0-0B21-440B-8544-51811CEDE3DD}"/>
+                <a16:creationId xmlns:a16="http://schemas.microsoft.com/office/drawing/2014/main" id="{EE6631E0-0B21-440B-8544-51811CEDE3DD}"/>
               </a:ext>
             </a:extLst>
           </p:cNvPr>
@@ -2456,7 +2456,7 @@
           <p:cNvPr id="7" name="Slide Number Placeholder 6">
             <a:extLst>
               <a:ext uri="{FF2B5EF4-FFF2-40B4-BE49-F238E27FC236}">
-                <a16:creationId xmlns:a16="http://schemas.microsoft.com/office/drawing/2014/main" xmlns="" id="{DB232CB9-BF41-4A3F-8BB2-73D8480639C6}"/>
+                <a16:creationId xmlns:a16="http://schemas.microsoft.com/office/drawing/2014/main" id="{DB232CB9-BF41-4A3F-8BB2-73D8480639C6}"/>
               </a:ext>
             </a:extLst>
           </p:cNvPr>
@@ -2515,7 +2515,7 @@
           <p:cNvPr id="2" name="Title 1">
             <a:extLst>
               <a:ext uri="{FF2B5EF4-FFF2-40B4-BE49-F238E27FC236}">
-                <a16:creationId xmlns:a16="http://schemas.microsoft.com/office/drawing/2014/main" xmlns="" id="{D2F446D0-9480-41C8-B7E5-321477E88D89}"/>
+                <a16:creationId xmlns:a16="http://schemas.microsoft.com/office/drawing/2014/main" id="{D2F446D0-9480-41C8-B7E5-321477E88D89}"/>
               </a:ext>
             </a:extLst>
           </p:cNvPr>
@@ -2553,7 +2553,7 @@
           <p:cNvPr id="3" name="Picture Placeholder 2">
             <a:extLst>
               <a:ext uri="{FF2B5EF4-FFF2-40B4-BE49-F238E27FC236}">
-                <a16:creationId xmlns:a16="http://schemas.microsoft.com/office/drawing/2014/main" xmlns="" id="{AED55641-89EB-43B9-B66C-55733FE1F740}"/>
+                <a16:creationId xmlns:a16="http://schemas.microsoft.com/office/drawing/2014/main" id="{AED55641-89EB-43B9-B66C-55733FE1F740}"/>
               </a:ext>
             </a:extLst>
           </p:cNvPr>
@@ -2620,7 +2620,7 @@
           <p:cNvPr id="4" name="Text Placeholder 3">
             <a:extLst>
               <a:ext uri="{FF2B5EF4-FFF2-40B4-BE49-F238E27FC236}">
-                <a16:creationId xmlns:a16="http://schemas.microsoft.com/office/drawing/2014/main" xmlns="" id="{87AEC996-2BF8-4279-B932-A8E97E744A2B}"/>
+                <a16:creationId xmlns:a16="http://schemas.microsoft.com/office/drawing/2014/main" id="{87AEC996-2BF8-4279-B932-A8E97E744A2B}"/>
               </a:ext>
             </a:extLst>
           </p:cNvPr>
@@ -2691,7 +2691,7 @@
           <p:cNvPr id="5" name="Date Placeholder 4">
             <a:extLst>
               <a:ext uri="{FF2B5EF4-FFF2-40B4-BE49-F238E27FC236}">
-                <a16:creationId xmlns:a16="http://schemas.microsoft.com/office/drawing/2014/main" xmlns="" id="{EA3A5C45-5D99-42D1-8272-B495B31AF1A6}"/>
+                <a16:creationId xmlns:a16="http://schemas.microsoft.com/office/drawing/2014/main" id="{EA3A5C45-5D99-42D1-8272-B495B31AF1A6}"/>
               </a:ext>
             </a:extLst>
           </p:cNvPr>
@@ -2709,7 +2709,7 @@
           <a:p>
             <a:fld id="{5227F555-24A3-4DF0-9D36-0451EA68597E}" type="datetimeFigureOut">
               <a:rPr lang="en-IN" smtClean="0"/>
-              <a:t>18/11/20</a:t>
+              <a:t>18-11-2020</a:t>
             </a:fld>
             <a:endParaRPr lang="en-IN" dirty="0"/>
           </a:p>
@@ -2720,7 +2720,7 @@
           <p:cNvPr id="6" name="Footer Placeholder 5">
             <a:extLst>
               <a:ext uri="{FF2B5EF4-FFF2-40B4-BE49-F238E27FC236}">
-                <a16:creationId xmlns:a16="http://schemas.microsoft.com/office/drawing/2014/main" xmlns="" id="{406CE855-C448-4E44-A801-A171FC82E2E3}"/>
+                <a16:creationId xmlns:a16="http://schemas.microsoft.com/office/drawing/2014/main" id="{406CE855-C448-4E44-A801-A171FC82E2E3}"/>
               </a:ext>
             </a:extLst>
           </p:cNvPr>
@@ -2745,7 +2745,7 @@
           <p:cNvPr id="7" name="Slide Number Placeholder 6">
             <a:extLst>
               <a:ext uri="{FF2B5EF4-FFF2-40B4-BE49-F238E27FC236}">
-                <a16:creationId xmlns:a16="http://schemas.microsoft.com/office/drawing/2014/main" xmlns="" id="{F75E3296-9767-4F36-A0AA-17DA1183798D}"/>
+                <a16:creationId xmlns:a16="http://schemas.microsoft.com/office/drawing/2014/main" id="{F75E3296-9767-4F36-A0AA-17DA1183798D}"/>
               </a:ext>
             </a:extLst>
           </p:cNvPr>
@@ -2809,7 +2809,7 @@
           <p:cNvPr id="2" name="Title Placeholder 1">
             <a:extLst>
               <a:ext uri="{FF2B5EF4-FFF2-40B4-BE49-F238E27FC236}">
-                <a16:creationId xmlns:a16="http://schemas.microsoft.com/office/drawing/2014/main" xmlns="" id="{A013E9B5-CC0A-49E1-8AB5-A8E1185C8EDA}"/>
+                <a16:creationId xmlns:a16="http://schemas.microsoft.com/office/drawing/2014/main" id="{A013E9B5-CC0A-49E1-8AB5-A8E1185C8EDA}"/>
               </a:ext>
             </a:extLst>
           </p:cNvPr>
@@ -2848,7 +2848,7 @@
           <p:cNvPr id="3" name="Text Placeholder 2">
             <a:extLst>
               <a:ext uri="{FF2B5EF4-FFF2-40B4-BE49-F238E27FC236}">
-                <a16:creationId xmlns:a16="http://schemas.microsoft.com/office/drawing/2014/main" xmlns="" id="{1639C096-3F77-4596-8DC7-CAE0A19C731B}"/>
+                <a16:creationId xmlns:a16="http://schemas.microsoft.com/office/drawing/2014/main" id="{1639C096-3F77-4596-8DC7-CAE0A19C731B}"/>
               </a:ext>
             </a:extLst>
           </p:cNvPr>
@@ -2916,7 +2916,7 @@
           <p:cNvPr id="4" name="Date Placeholder 3">
             <a:extLst>
               <a:ext uri="{FF2B5EF4-FFF2-40B4-BE49-F238E27FC236}">
-                <a16:creationId xmlns:a16="http://schemas.microsoft.com/office/drawing/2014/main" xmlns="" id="{EF27D319-C9CC-4FF1-A951-40B13F8075FF}"/>
+                <a16:creationId xmlns:a16="http://schemas.microsoft.com/office/drawing/2014/main" id="{EF27D319-C9CC-4FF1-A951-40B13F8075FF}"/>
               </a:ext>
             </a:extLst>
           </p:cNvPr>
@@ -2952,7 +2952,7 @@
           <a:p>
             <a:fld id="{5227F555-24A3-4DF0-9D36-0451EA68597E}" type="datetimeFigureOut">
               <a:rPr lang="en-IN" smtClean="0"/>
-              <a:t>18/11/20</a:t>
+              <a:t>18-11-2020</a:t>
             </a:fld>
             <a:endParaRPr lang="en-IN" dirty="0"/>
           </a:p>
@@ -2963,7 +2963,7 @@
           <p:cNvPr id="5" name="Footer Placeholder 4">
             <a:extLst>
               <a:ext uri="{FF2B5EF4-FFF2-40B4-BE49-F238E27FC236}">
-                <a16:creationId xmlns:a16="http://schemas.microsoft.com/office/drawing/2014/main" xmlns="" id="{7D082D1B-B15F-4597-B8EF-B50C133103A9}"/>
+                <a16:creationId xmlns:a16="http://schemas.microsoft.com/office/drawing/2014/main" id="{7D082D1B-B15F-4597-B8EF-B50C133103A9}"/>
               </a:ext>
             </a:extLst>
           </p:cNvPr>
@@ -3006,7 +3006,7 @@
           <p:cNvPr id="6" name="Slide Number Placeholder 5">
             <a:extLst>
               <a:ext uri="{FF2B5EF4-FFF2-40B4-BE49-F238E27FC236}">
-                <a16:creationId xmlns:a16="http://schemas.microsoft.com/office/drawing/2014/main" xmlns="" id="{D3644BF3-97BD-4028-919E-62922AC56EF7}"/>
+                <a16:creationId xmlns:a16="http://schemas.microsoft.com/office/drawing/2014/main" id="{D3644BF3-97BD-4028-919E-62922AC56EF7}"/>
               </a:ext>
             </a:extLst>
           </p:cNvPr>
@@ -3374,7 +3374,7 @@
           <p:cNvPr id="6" name="Picture 5">
             <a:extLst>
               <a:ext uri="{FF2B5EF4-FFF2-40B4-BE49-F238E27FC236}">
-                <a16:creationId xmlns:a16="http://schemas.microsoft.com/office/drawing/2014/main" xmlns="" id="{0116779E-8D4E-4D91-A16A-AA53C50AA23E}"/>
+                <a16:creationId xmlns:a16="http://schemas.microsoft.com/office/drawing/2014/main" id="{0116779E-8D4E-4D91-A16A-AA53C50AA23E}"/>
               </a:ext>
             </a:extLst>
           </p:cNvPr>
@@ -3390,7 +3390,7 @@
         </p:blipFill>
         <p:spPr>
           <a:xfrm>
-            <a:off x="-5301" y="-27830"/>
+            <a:off x="0" y="-27830"/>
             <a:ext cx="12197301" cy="6913659"/>
           </a:xfrm>
           <a:prstGeom prst="rect">
@@ -3403,7 +3403,7 @@
           <p:cNvPr id="7" name="Title 6">
             <a:extLst>
               <a:ext uri="{FF2B5EF4-FFF2-40B4-BE49-F238E27FC236}">
-                <a16:creationId xmlns:a16="http://schemas.microsoft.com/office/drawing/2014/main" xmlns="" id="{C0BABA78-FD5D-45AF-A614-A58E23A2E210}"/>
+                <a16:creationId xmlns:a16="http://schemas.microsoft.com/office/drawing/2014/main" id="{C0BABA78-FD5D-45AF-A614-A58E23A2E210}"/>
               </a:ext>
             </a:extLst>
           </p:cNvPr>
@@ -3416,8 +3416,8 @@
         </p:nvSpPr>
         <p:spPr>
           <a:xfrm>
-            <a:off x="838200" y="318052"/>
-            <a:ext cx="10515600" cy="4238045"/>
+            <a:off x="838200" y="55660"/>
+            <a:ext cx="10515600" cy="4500438"/>
           </a:xfrm>
         </p:spPr>
         <p:txBody>
@@ -3439,17 +3439,9 @@
               </a:rPr>
               <a:t>OPERATING SYSTEMS PROJECT</a:t>
             </a:r>
-            <a:r>
-              <a:rPr lang="en-IN" sz="5500" dirty="0"/>
-              <a:t/>
-            </a:r>
             <a:br>
               <a:rPr lang="en-IN" sz="5500" dirty="0"/>
             </a:br>
-            <a:r>
-              <a:rPr lang="en-IN" dirty="0"/>
-              <a:t/>
-            </a:r>
             <a:br>
               <a:rPr lang="en-IN" dirty="0"/>
             </a:br>
@@ -3494,7 +3486,7 @@
           <p:cNvPr id="10" name="Rectangle 9">
             <a:extLst>
               <a:ext uri="{FF2B5EF4-FFF2-40B4-BE49-F238E27FC236}">
-                <a16:creationId xmlns:a16="http://schemas.microsoft.com/office/drawing/2014/main" xmlns="" id="{B1F7ACC1-CC9A-4377-91FA-101A504D3591}"/>
+                <a16:creationId xmlns:a16="http://schemas.microsoft.com/office/drawing/2014/main" id="{B1F7ACC1-CC9A-4377-91FA-101A504D3591}"/>
               </a:ext>
             </a:extLst>
           </p:cNvPr>
@@ -3571,7 +3563,7 @@
           <p:cNvPr id="24" name="Rectangle: Rounded Corners 23">
             <a:extLst>
               <a:ext uri="{FF2B5EF4-FFF2-40B4-BE49-F238E27FC236}">
-                <a16:creationId xmlns:a16="http://schemas.microsoft.com/office/drawing/2014/main" xmlns="" id="{8A02CFE7-0745-43E3-95A4-AB82D889C7B8}"/>
+                <a16:creationId xmlns:a16="http://schemas.microsoft.com/office/drawing/2014/main" id="{8A02CFE7-0745-43E3-95A4-AB82D889C7B8}"/>
               </a:ext>
             </a:extLst>
           </p:cNvPr>
@@ -3580,8 +3572,8 @@
         </p:nvSpPr>
         <p:spPr>
           <a:xfrm>
-            <a:off x="1126198" y="2562179"/>
-            <a:ext cx="9980039" cy="1948070"/>
+            <a:off x="1371600" y="2027583"/>
+            <a:ext cx="9438198" cy="1948070"/>
           </a:xfrm>
           <a:prstGeom prst="roundRect">
             <a:avLst/>
@@ -3627,6 +3619,63 @@
           </a:p>
         </p:txBody>
       </p:sp>
+      <p:sp>
+        <p:nvSpPr>
+          <p:cNvPr id="2" name="Rectangle 1">
+            <a:extLst>
+              <a:ext uri="{FF2B5EF4-FFF2-40B4-BE49-F238E27FC236}">
+                <a16:creationId xmlns:a16="http://schemas.microsoft.com/office/drawing/2014/main" id="{C342335A-4BFD-4543-8957-6B6D02DBB07B}"/>
+              </a:ext>
+            </a:extLst>
+          </p:cNvPr>
+          <p:cNvSpPr/>
+          <p:nvPr/>
+        </p:nvSpPr>
+        <p:spPr>
+          <a:xfrm>
+            <a:off x="1371600" y="4086970"/>
+            <a:ext cx="9438198" cy="469128"/>
+          </a:xfrm>
+          <a:prstGeom prst="rect">
+            <a:avLst/>
+          </a:prstGeom>
+          <a:noFill/>
+          <a:ln>
+            <a:noFill/>
+          </a:ln>
+        </p:spPr>
+        <p:style>
+          <a:lnRef idx="2">
+            <a:schemeClr val="accent1">
+              <a:shade val="50000"/>
+            </a:schemeClr>
+          </a:lnRef>
+          <a:fillRef idx="1">
+            <a:schemeClr val="accent1"/>
+          </a:fillRef>
+          <a:effectRef idx="0">
+            <a:schemeClr val="accent1"/>
+          </a:effectRef>
+          <a:fontRef idx="minor">
+            <a:schemeClr val="lt1"/>
+          </a:fontRef>
+        </p:style>
+        <p:txBody>
+          <a:bodyPr rtlCol="0" anchor="ctr"/>
+          <a:lstStyle/>
+          <a:p>
+            <a:pPr algn="ctr"/>
+            <a:r>
+              <a:rPr lang="en-IN" dirty="0">
+                <a:solidFill>
+                  <a:schemeClr val="tx1"/>
+                </a:solidFill>
+              </a:rPr>
+              <a:t>Kun He, Member, IEEE, Xiaozhu Meng, Zhizhou Pan, Ling Yuan, Pan Zhou Member, IEEE</a:t>
+            </a:r>
+          </a:p>
+        </p:txBody>
+      </p:sp>
     </p:spTree>
     <p:extLst>
       <p:ext uri="{BB962C8B-B14F-4D97-AF65-F5344CB8AC3E}">
@@ -3637,13 +3686,6 @@
   <p:clrMapOvr>
     <a:masterClrMapping/>
   </p:clrMapOvr>
-  <p:timing>
-    <p:tnLst>
-      <p:par>
-        <p:cTn xmlns:p14="http://schemas.microsoft.com/office/powerpoint/2010/main" id="1" dur="indefinite" restart="never" nodeType="tmRoot"/>
-      </p:par>
-    </p:tnLst>
-  </p:timing>
 </p:sld>
 </file>
 
@@ -3669,7 +3711,7 @@
           <p:cNvPr id="5" name="Picture 4">
             <a:extLst>
               <a:ext uri="{FF2B5EF4-FFF2-40B4-BE49-F238E27FC236}">
-                <a16:creationId xmlns:a16="http://schemas.microsoft.com/office/drawing/2014/main" xmlns="" id="{EB6A06C4-49BF-45FC-91BC-7F27117BE003}"/>
+                <a16:creationId xmlns:a16="http://schemas.microsoft.com/office/drawing/2014/main" id="{EB6A06C4-49BF-45FC-91BC-7F27117BE003}"/>
               </a:ext>
             </a:extLst>
           </p:cNvPr>
@@ -3698,7 +3740,7 @@
           <p:cNvPr id="6" name="Title 5">
             <a:extLst>
               <a:ext uri="{FF2B5EF4-FFF2-40B4-BE49-F238E27FC236}">
-                <a16:creationId xmlns:a16="http://schemas.microsoft.com/office/drawing/2014/main" xmlns="" id="{6D4A34BA-34A6-42AB-9552-AB488BBE2CE6}"/>
+                <a16:creationId xmlns:a16="http://schemas.microsoft.com/office/drawing/2014/main" id="{6D4A34BA-34A6-42AB-9552-AB488BBE2CE6}"/>
               </a:ext>
             </a:extLst>
           </p:cNvPr>
@@ -3741,7 +3783,7 @@
           <p:cNvPr id="7" name="Content Placeholder 6">
             <a:extLst>
               <a:ext uri="{FF2B5EF4-FFF2-40B4-BE49-F238E27FC236}">
-                <a16:creationId xmlns:a16="http://schemas.microsoft.com/office/drawing/2014/main" xmlns="" id="{F1C8B5EC-3F91-44B2-BB1B-9AC28CE1644F}"/>
+                <a16:creationId xmlns:a16="http://schemas.microsoft.com/office/drawing/2014/main" id="{F1C8B5EC-3F91-44B2-BB1B-9AC28CE1644F}"/>
               </a:ext>
             </a:extLst>
           </p:cNvPr>
@@ -4761,13 +4803,6 @@
   <p:clrMapOvr>
     <a:masterClrMapping/>
   </p:clrMapOvr>
-  <p:timing>
-    <p:tnLst>
-      <p:par>
-        <p:cTn xmlns:p14="http://schemas.microsoft.com/office/powerpoint/2010/main" id="1" dur="indefinite" restart="never" nodeType="tmRoot"/>
-      </p:par>
-    </p:tnLst>
-  </p:timing>
 </p:sld>
 </file>
 
@@ -4793,7 +4828,7 @@
           <p:cNvPr id="5" name="Picture 4">
             <a:extLst>
               <a:ext uri="{FF2B5EF4-FFF2-40B4-BE49-F238E27FC236}">
-                <a16:creationId xmlns:a16="http://schemas.microsoft.com/office/drawing/2014/main" xmlns="" id="{EB6A06C4-49BF-45FC-91BC-7F27117BE003}"/>
+                <a16:creationId xmlns:a16="http://schemas.microsoft.com/office/drawing/2014/main" id="{EB6A06C4-49BF-45FC-91BC-7F27117BE003}"/>
               </a:ext>
             </a:extLst>
           </p:cNvPr>
@@ -4822,7 +4857,7 @@
           <p:cNvPr id="13" name="Rectangle: Diagonal Corners Snipped 12">
             <a:extLst>
               <a:ext uri="{FF2B5EF4-FFF2-40B4-BE49-F238E27FC236}">
-                <a16:creationId xmlns:a16="http://schemas.microsoft.com/office/drawing/2014/main" xmlns="" id="{FED5500D-4D95-41B5-BFDA-CE7CD33466D1}"/>
+                <a16:creationId xmlns:a16="http://schemas.microsoft.com/office/drawing/2014/main" id="{FED5500D-4D95-41B5-BFDA-CE7CD33466D1}"/>
               </a:ext>
             </a:extLst>
           </p:cNvPr>
@@ -4918,13 +4953,6 @@
   <p:clrMapOvr>
     <a:masterClrMapping/>
   </p:clrMapOvr>
-  <p:timing>
-    <p:tnLst>
-      <p:par>
-        <p:cTn xmlns:p14="http://schemas.microsoft.com/office/powerpoint/2010/main" id="1" dur="indefinite" restart="never" nodeType="tmRoot"/>
-      </p:par>
-    </p:tnLst>
-  </p:timing>
 </p:sld>
 </file>
 
@@ -4950,7 +4978,7 @@
           <p:cNvPr id="5" name="Picture 4">
             <a:extLst>
               <a:ext uri="{FF2B5EF4-FFF2-40B4-BE49-F238E27FC236}">
-                <a16:creationId xmlns:a16="http://schemas.microsoft.com/office/drawing/2014/main" xmlns="" id="{EB6A06C4-49BF-45FC-91BC-7F27117BE003}"/>
+                <a16:creationId xmlns:a16="http://schemas.microsoft.com/office/drawing/2014/main" id="{EB6A06C4-49BF-45FC-91BC-7F27117BE003}"/>
               </a:ext>
             </a:extLst>
           </p:cNvPr>
@@ -4979,7 +5007,7 @@
           <p:cNvPr id="6" name="Title 5">
             <a:extLst>
               <a:ext uri="{FF2B5EF4-FFF2-40B4-BE49-F238E27FC236}">
-                <a16:creationId xmlns:a16="http://schemas.microsoft.com/office/drawing/2014/main" xmlns="" id="{6D4A34BA-34A6-42AB-9552-AB488BBE2CE6}"/>
+                <a16:creationId xmlns:a16="http://schemas.microsoft.com/office/drawing/2014/main" id="{6D4A34BA-34A6-42AB-9552-AB488BBE2CE6}"/>
               </a:ext>
             </a:extLst>
           </p:cNvPr>
@@ -5022,7 +5050,7 @@
           <p:cNvPr id="7" name="Content Placeholder 6">
             <a:extLst>
               <a:ext uri="{FF2B5EF4-FFF2-40B4-BE49-F238E27FC236}">
-                <a16:creationId xmlns:a16="http://schemas.microsoft.com/office/drawing/2014/main" xmlns="" id="{F1C8B5EC-3F91-44B2-BB1B-9AC28CE1644F}"/>
+                <a16:creationId xmlns:a16="http://schemas.microsoft.com/office/drawing/2014/main" id="{F1C8B5EC-3F91-44B2-BB1B-9AC28CE1644F}"/>
               </a:ext>
             </a:extLst>
           </p:cNvPr>
@@ -5206,7 +5234,7 @@
           <p:cNvPr id="3" name="Picture 2">
             <a:extLst>
               <a:ext uri="{FF2B5EF4-FFF2-40B4-BE49-F238E27FC236}">
-                <a16:creationId xmlns:a16="http://schemas.microsoft.com/office/drawing/2014/main" xmlns="" id="{4F9EAD42-8405-4333-89B7-22EE9A3BA204}"/>
+                <a16:creationId xmlns:a16="http://schemas.microsoft.com/office/drawing/2014/main" id="{4F9EAD42-8405-4333-89B7-22EE9A3BA204}"/>
               </a:ext>
             </a:extLst>
           </p:cNvPr>
@@ -5236,7 +5264,7 @@
           <p:cNvPr id="4" name="Rectangle 3">
             <a:extLst>
               <a:ext uri="{FF2B5EF4-FFF2-40B4-BE49-F238E27FC236}">
-                <a16:creationId xmlns:a16="http://schemas.microsoft.com/office/drawing/2014/main" xmlns="" id="{0F1CEBDE-B1C6-4A9B-AB67-FBFB7032F281}"/>
+                <a16:creationId xmlns:a16="http://schemas.microsoft.com/office/drawing/2014/main" id="{0F1CEBDE-B1C6-4A9B-AB67-FBFB7032F281}"/>
               </a:ext>
             </a:extLst>
           </p:cNvPr>
@@ -5294,13 +5322,6 @@
   <p:clrMapOvr>
     <a:masterClrMapping/>
   </p:clrMapOvr>
-  <p:timing>
-    <p:tnLst>
-      <p:par>
-        <p:cTn xmlns:p14="http://schemas.microsoft.com/office/powerpoint/2010/main" id="1" dur="indefinite" restart="never" nodeType="tmRoot"/>
-      </p:par>
-    </p:tnLst>
-  </p:timing>
 </p:sld>
 </file>
 
@@ -5326,7 +5347,7 @@
           <p:cNvPr id="5" name="Picture 4">
             <a:extLst>
               <a:ext uri="{FF2B5EF4-FFF2-40B4-BE49-F238E27FC236}">
-                <a16:creationId xmlns:a16="http://schemas.microsoft.com/office/drawing/2014/main" xmlns="" id="{EB6A06C4-49BF-45FC-91BC-7F27117BE003}"/>
+                <a16:creationId xmlns:a16="http://schemas.microsoft.com/office/drawing/2014/main" id="{EB6A06C4-49BF-45FC-91BC-7F27117BE003}"/>
               </a:ext>
             </a:extLst>
           </p:cNvPr>
@@ -5355,7 +5376,7 @@
           <p:cNvPr id="6" name="Title 5">
             <a:extLst>
               <a:ext uri="{FF2B5EF4-FFF2-40B4-BE49-F238E27FC236}">
-                <a16:creationId xmlns:a16="http://schemas.microsoft.com/office/drawing/2014/main" xmlns="" id="{6D4A34BA-34A6-42AB-9552-AB488BBE2CE6}"/>
+                <a16:creationId xmlns:a16="http://schemas.microsoft.com/office/drawing/2014/main" id="{6D4A34BA-34A6-42AB-9552-AB488BBE2CE6}"/>
               </a:ext>
             </a:extLst>
           </p:cNvPr>
@@ -5398,7 +5419,7 @@
           <p:cNvPr id="7" name="Content Placeholder 6">
             <a:extLst>
               <a:ext uri="{FF2B5EF4-FFF2-40B4-BE49-F238E27FC236}">
-                <a16:creationId xmlns:a16="http://schemas.microsoft.com/office/drawing/2014/main" xmlns="" id="{F1C8B5EC-3F91-44B2-BB1B-9AC28CE1644F}"/>
+                <a16:creationId xmlns:a16="http://schemas.microsoft.com/office/drawing/2014/main" id="{F1C8B5EC-3F91-44B2-BB1B-9AC28CE1644F}"/>
               </a:ext>
             </a:extLst>
           </p:cNvPr>
@@ -5754,13 +5775,6 @@
   <p:clrMapOvr>
     <a:masterClrMapping/>
   </p:clrMapOvr>
-  <p:timing>
-    <p:tnLst>
-      <p:par>
-        <p:cTn xmlns:p14="http://schemas.microsoft.com/office/powerpoint/2010/main" id="1" dur="indefinite" restart="never" nodeType="tmRoot"/>
-      </p:par>
-    </p:tnLst>
-  </p:timing>
 </p:sld>
 </file>
 
@@ -5786,7 +5800,7 @@
           <p:cNvPr id="5" name="Picture 4">
             <a:extLst>
               <a:ext uri="{FF2B5EF4-FFF2-40B4-BE49-F238E27FC236}">
-                <a16:creationId xmlns:a16="http://schemas.microsoft.com/office/drawing/2014/main" xmlns="" id="{EB6A06C4-49BF-45FC-91BC-7F27117BE003}"/>
+                <a16:creationId xmlns:a16="http://schemas.microsoft.com/office/drawing/2014/main" id="{EB6A06C4-49BF-45FC-91BC-7F27117BE003}"/>
               </a:ext>
             </a:extLst>
           </p:cNvPr>
@@ -5815,7 +5829,7 @@
           <p:cNvPr id="6" name="Title 5">
             <a:extLst>
               <a:ext uri="{FF2B5EF4-FFF2-40B4-BE49-F238E27FC236}">
-                <a16:creationId xmlns:a16="http://schemas.microsoft.com/office/drawing/2014/main" xmlns="" id="{6D4A34BA-34A6-42AB-9552-AB488BBE2CE6}"/>
+                <a16:creationId xmlns:a16="http://schemas.microsoft.com/office/drawing/2014/main" id="{6D4A34BA-34A6-42AB-9552-AB488BBE2CE6}"/>
               </a:ext>
             </a:extLst>
           </p:cNvPr>
@@ -5858,7 +5872,7 @@
           <p:cNvPr id="7" name="Content Placeholder 6">
             <a:extLst>
               <a:ext uri="{FF2B5EF4-FFF2-40B4-BE49-F238E27FC236}">
-                <a16:creationId xmlns:a16="http://schemas.microsoft.com/office/drawing/2014/main" xmlns="" id="{F1C8B5EC-3F91-44B2-BB1B-9AC28CE1644F}"/>
+                <a16:creationId xmlns:a16="http://schemas.microsoft.com/office/drawing/2014/main" id="{F1C8B5EC-3F91-44B2-BB1B-9AC28CE1644F}"/>
               </a:ext>
             </a:extLst>
           </p:cNvPr>
@@ -6157,7 +6171,7 @@
           <p:cNvPr id="15" name="Picture 14">
             <a:extLst>
               <a:ext uri="{FF2B5EF4-FFF2-40B4-BE49-F238E27FC236}">
-                <a16:creationId xmlns:a16="http://schemas.microsoft.com/office/drawing/2014/main" xmlns="" id="{ECE0C1CD-E814-42F2-9805-13AD2B44354D}"/>
+                <a16:creationId xmlns:a16="http://schemas.microsoft.com/office/drawing/2014/main" id="{ECE0C1CD-E814-42F2-9805-13AD2B44354D}"/>
               </a:ext>
             </a:extLst>
           </p:cNvPr>
@@ -6187,7 +6201,7 @@
           <p:cNvPr id="16" name="Rectangle 15">
             <a:extLst>
               <a:ext uri="{FF2B5EF4-FFF2-40B4-BE49-F238E27FC236}">
-                <a16:creationId xmlns:a16="http://schemas.microsoft.com/office/drawing/2014/main" xmlns="" id="{E1CE4BB9-3FDA-4DCF-AD95-9562730E2795}"/>
+                <a16:creationId xmlns:a16="http://schemas.microsoft.com/office/drawing/2014/main" id="{E1CE4BB9-3FDA-4DCF-AD95-9562730E2795}"/>
               </a:ext>
             </a:extLst>
           </p:cNvPr>
@@ -6249,13 +6263,6 @@
   <p:clrMapOvr>
     <a:masterClrMapping/>
   </p:clrMapOvr>
-  <p:timing>
-    <p:tnLst>
-      <p:par>
-        <p:cTn xmlns:p14="http://schemas.microsoft.com/office/powerpoint/2010/main" id="1" dur="indefinite" restart="never" nodeType="tmRoot"/>
-      </p:par>
-    </p:tnLst>
-  </p:timing>
 </p:sld>
 </file>
 
@@ -6281,7 +6288,7 @@
           <p:cNvPr id="5" name="Picture 4">
             <a:extLst>
               <a:ext uri="{FF2B5EF4-FFF2-40B4-BE49-F238E27FC236}">
-                <a16:creationId xmlns:a16="http://schemas.microsoft.com/office/drawing/2014/main" xmlns="" id="{EB6A06C4-49BF-45FC-91BC-7F27117BE003}"/>
+                <a16:creationId xmlns:a16="http://schemas.microsoft.com/office/drawing/2014/main" id="{EB6A06C4-49BF-45FC-91BC-7F27117BE003}"/>
               </a:ext>
             </a:extLst>
           </p:cNvPr>
@@ -6310,7 +6317,7 @@
           <p:cNvPr id="6" name="Title 5">
             <a:extLst>
               <a:ext uri="{FF2B5EF4-FFF2-40B4-BE49-F238E27FC236}">
-                <a16:creationId xmlns:a16="http://schemas.microsoft.com/office/drawing/2014/main" xmlns="" id="{6D4A34BA-34A6-42AB-9552-AB488BBE2CE6}"/>
+                <a16:creationId xmlns:a16="http://schemas.microsoft.com/office/drawing/2014/main" id="{6D4A34BA-34A6-42AB-9552-AB488BBE2CE6}"/>
               </a:ext>
             </a:extLst>
           </p:cNvPr>
@@ -6353,7 +6360,7 @@
           <p:cNvPr id="7" name="Content Placeholder 6">
             <a:extLst>
               <a:ext uri="{FF2B5EF4-FFF2-40B4-BE49-F238E27FC236}">
-                <a16:creationId xmlns:a16="http://schemas.microsoft.com/office/drawing/2014/main" xmlns="" id="{F1C8B5EC-3F91-44B2-BB1B-9AC28CE1644F}"/>
+                <a16:creationId xmlns:a16="http://schemas.microsoft.com/office/drawing/2014/main" id="{F1C8B5EC-3F91-44B2-BB1B-9AC28CE1644F}"/>
               </a:ext>
             </a:extLst>
           </p:cNvPr>
@@ -6605,50 +6612,21 @@
           </a:p>
         </p:txBody>
       </p:sp>
-      <p:pic>
-        <p:nvPicPr>
-          <p:cNvPr id="18" name="Picture 17">
-            <a:extLst>
-              <a:ext uri="{FF2B5EF4-FFF2-40B4-BE49-F238E27FC236}">
-                <a16:creationId xmlns:a16="http://schemas.microsoft.com/office/drawing/2014/main" xmlns="" id="{2518302E-12E6-4CF9-8D3D-D8B045B91A3E}"/>
-              </a:ext>
-            </a:extLst>
-          </p:cNvPr>
-          <p:cNvPicPr>
-            <a:picLocks noChangeAspect="1"/>
-          </p:cNvPicPr>
+      <p:sp>
+        <p:nvSpPr>
+          <p:cNvPr id="19" name="Rectangle 18">
+            <a:extLst>
+              <a:ext uri="{FF2B5EF4-FFF2-40B4-BE49-F238E27FC236}">
+                <a16:creationId xmlns:a16="http://schemas.microsoft.com/office/drawing/2014/main" id="{27EDC2C8-29B3-4E1E-B387-2C898C90B29E}"/>
+              </a:ext>
+            </a:extLst>
+          </p:cNvPr>
+          <p:cNvSpPr/>
           <p:nvPr/>
-        </p:nvPicPr>
-        <p:blipFill rotWithShape="1">
-          <a:blip r:embed="rId3"/>
-          <a:srcRect r="5751"/>
-          <a:stretch/>
-        </p:blipFill>
+        </p:nvSpPr>
         <p:spPr>
           <a:xfrm>
-            <a:off x="5864212" y="1753617"/>
-            <a:ext cx="5489588" cy="4567315"/>
-          </a:xfrm>
-          <a:prstGeom prst="rect">
-            <a:avLst/>
-          </a:prstGeom>
-        </p:spPr>
-      </p:pic>
-      <p:sp>
-        <p:nvSpPr>
-          <p:cNvPr id="19" name="Rectangle 18">
-            <a:extLst>
-              <a:ext uri="{FF2B5EF4-FFF2-40B4-BE49-F238E27FC236}">
-                <a16:creationId xmlns:a16="http://schemas.microsoft.com/office/drawing/2014/main" xmlns="" id="{27EDC2C8-29B3-4E1E-B387-2C898C90B29E}"/>
-              </a:ext>
-            </a:extLst>
-          </p:cNvPr>
-          <p:cNvSpPr/>
-          <p:nvPr/>
-        </p:nvSpPr>
-        <p:spPr>
-          <a:xfrm>
-            <a:off x="5864212" y="6320932"/>
+            <a:off x="5959234" y="6320932"/>
             <a:ext cx="5489588" cy="244928"/>
           </a:xfrm>
           <a:prstGeom prst="rect">
@@ -6682,11 +6660,40 @@
             <a:pPr algn="ctr"/>
             <a:r>
               <a:rPr lang="en-IN" sz="1600" dirty="0"/>
-              <a:t>Fig. 3. Task Merging Phase </a:t>
-            </a:r>
-          </a:p>
-        </p:txBody>
-      </p:sp>
+              <a:t>Fig. 3. Function for calculating Schedule Makespan</a:t>
+            </a:r>
+          </a:p>
+        </p:txBody>
+      </p:sp>
+      <p:pic>
+        <p:nvPicPr>
+          <p:cNvPr id="3" name="Picture 2">
+            <a:extLst>
+              <a:ext uri="{FF2B5EF4-FFF2-40B4-BE49-F238E27FC236}">
+                <a16:creationId xmlns:a16="http://schemas.microsoft.com/office/drawing/2014/main" id="{A868ADC7-EE51-4A60-8628-E20992B6555A}"/>
+              </a:ext>
+            </a:extLst>
+          </p:cNvPr>
+          <p:cNvPicPr>
+            <a:picLocks noChangeAspect="1"/>
+          </p:cNvPicPr>
+          <p:nvPr/>
+        </p:nvPicPr>
+        <p:blipFill rotWithShape="1">
+          <a:blip r:embed="rId3"/>
+          <a:srcRect l="685" t="880" r="6892" b="418"/>
+          <a:stretch/>
+        </p:blipFill>
+        <p:spPr>
+          <a:xfrm>
+            <a:off x="5959234" y="1725433"/>
+            <a:ext cx="5489588" cy="4595499"/>
+          </a:xfrm>
+          <a:prstGeom prst="rect">
+            <a:avLst/>
+          </a:prstGeom>
+        </p:spPr>
+      </p:pic>
     </p:spTree>
     <p:extLst>
       <p:ext uri="{BB962C8B-B14F-4D97-AF65-F5344CB8AC3E}">
@@ -6697,13 +6704,6 @@
   <p:clrMapOvr>
     <a:masterClrMapping/>
   </p:clrMapOvr>
-  <p:timing>
-    <p:tnLst>
-      <p:par>
-        <p:cTn xmlns:p14="http://schemas.microsoft.com/office/powerpoint/2010/main" id="1" dur="indefinite" restart="never" nodeType="tmRoot"/>
-      </p:par>
-    </p:tnLst>
-  </p:timing>
 </p:sld>
 </file>
 
@@ -6729,7 +6729,7 @@
           <p:cNvPr id="5" name="Picture 4">
             <a:extLst>
               <a:ext uri="{FF2B5EF4-FFF2-40B4-BE49-F238E27FC236}">
-                <a16:creationId xmlns:a16="http://schemas.microsoft.com/office/drawing/2014/main" xmlns="" id="{EB6A06C4-49BF-45FC-91BC-7F27117BE003}"/>
+                <a16:creationId xmlns:a16="http://schemas.microsoft.com/office/drawing/2014/main" id="{EB6A06C4-49BF-45FC-91BC-7F27117BE003}"/>
               </a:ext>
             </a:extLst>
           </p:cNvPr>
@@ -6758,7 +6758,7 @@
           <p:cNvPr id="6" name="Title 5">
             <a:extLst>
               <a:ext uri="{FF2B5EF4-FFF2-40B4-BE49-F238E27FC236}">
-                <a16:creationId xmlns:a16="http://schemas.microsoft.com/office/drawing/2014/main" xmlns="" id="{6D4A34BA-34A6-42AB-9552-AB488BBE2CE6}"/>
+                <a16:creationId xmlns:a16="http://schemas.microsoft.com/office/drawing/2014/main" id="{6D4A34BA-34A6-42AB-9552-AB488BBE2CE6}"/>
               </a:ext>
             </a:extLst>
           </p:cNvPr>
@@ -6801,7 +6801,7 @@
           <p:cNvPr id="7" name="Content Placeholder 6">
             <a:extLst>
               <a:ext uri="{FF2B5EF4-FFF2-40B4-BE49-F238E27FC236}">
-                <a16:creationId xmlns:a16="http://schemas.microsoft.com/office/drawing/2014/main" xmlns="" id="{F1C8B5EC-3F91-44B2-BB1B-9AC28CE1644F}"/>
+                <a16:creationId xmlns:a16="http://schemas.microsoft.com/office/drawing/2014/main" id="{F1C8B5EC-3F91-44B2-BB1B-9AC28CE1644F}"/>
               </a:ext>
             </a:extLst>
           </p:cNvPr>
@@ -7025,7 +7025,7 @@
           <p:cNvPr id="10" name="Picture 9">
             <a:extLst>
               <a:ext uri="{FF2B5EF4-FFF2-40B4-BE49-F238E27FC236}">
-                <a16:creationId xmlns:a16="http://schemas.microsoft.com/office/drawing/2014/main" xmlns="" id="{266DA08E-1154-44EE-884E-99997EB02C17}"/>
+                <a16:creationId xmlns:a16="http://schemas.microsoft.com/office/drawing/2014/main" id="{266DA08E-1154-44EE-884E-99997EB02C17}"/>
               </a:ext>
             </a:extLst>
           </p:cNvPr>
@@ -7054,7 +7054,7 @@
           <p:cNvPr id="18" name="TextBox 17">
             <a:extLst>
               <a:ext uri="{FF2B5EF4-FFF2-40B4-BE49-F238E27FC236}">
-                <a16:creationId xmlns:a16="http://schemas.microsoft.com/office/drawing/2014/main" xmlns="" id="{7F28BA21-0824-453B-96FB-610DE598B538}"/>
+                <a16:creationId xmlns:a16="http://schemas.microsoft.com/office/drawing/2014/main" id="{7F28BA21-0824-453B-96FB-610DE598B538}"/>
               </a:ext>
             </a:extLst>
           </p:cNvPr>
@@ -7094,7 +7094,7 @@
           <p:cNvPr id="19" name="Picture 18">
             <a:extLst>
               <a:ext uri="{FF2B5EF4-FFF2-40B4-BE49-F238E27FC236}">
-                <a16:creationId xmlns:a16="http://schemas.microsoft.com/office/drawing/2014/main" xmlns="" id="{EC581045-C9D2-483B-841E-90CFD784758C}"/>
+                <a16:creationId xmlns:a16="http://schemas.microsoft.com/office/drawing/2014/main" id="{EC581045-C9D2-483B-841E-90CFD784758C}"/>
               </a:ext>
             </a:extLst>
           </p:cNvPr>
@@ -7124,7 +7124,7 @@
           <p:cNvPr id="20" name="Rectangle 19">
             <a:extLst>
               <a:ext uri="{FF2B5EF4-FFF2-40B4-BE49-F238E27FC236}">
-                <a16:creationId xmlns:a16="http://schemas.microsoft.com/office/drawing/2014/main" xmlns="" id="{AB9FFD12-ACCF-4DC6-B06D-32E5FA3A9FE5}"/>
+                <a16:creationId xmlns:a16="http://schemas.microsoft.com/office/drawing/2014/main" id="{AB9FFD12-ACCF-4DC6-B06D-32E5FA3A9FE5}"/>
               </a:ext>
             </a:extLst>
           </p:cNvPr>
@@ -7182,13 +7182,6 @@
   <p:clrMapOvr>
     <a:masterClrMapping/>
   </p:clrMapOvr>
-  <p:timing>
-    <p:tnLst>
-      <p:par>
-        <p:cTn xmlns:p14="http://schemas.microsoft.com/office/powerpoint/2010/main" id="1" dur="indefinite" restart="never" nodeType="tmRoot"/>
-      </p:par>
-    </p:tnLst>
-  </p:timing>
 </p:sld>
 </file>
 
@@ -7214,7 +7207,7 @@
           <p:cNvPr id="5" name="Picture 4">
             <a:extLst>
               <a:ext uri="{FF2B5EF4-FFF2-40B4-BE49-F238E27FC236}">
-                <a16:creationId xmlns:a16="http://schemas.microsoft.com/office/drawing/2014/main" xmlns="" id="{EB6A06C4-49BF-45FC-91BC-7F27117BE003}"/>
+                <a16:creationId xmlns:a16="http://schemas.microsoft.com/office/drawing/2014/main" id="{EB6A06C4-49BF-45FC-91BC-7F27117BE003}"/>
               </a:ext>
             </a:extLst>
           </p:cNvPr>
@@ -7243,7 +7236,7 @@
           <p:cNvPr id="6" name="Title 5">
             <a:extLst>
               <a:ext uri="{FF2B5EF4-FFF2-40B4-BE49-F238E27FC236}">
-                <a16:creationId xmlns:a16="http://schemas.microsoft.com/office/drawing/2014/main" xmlns="" id="{6D4A34BA-34A6-42AB-9552-AB488BBE2CE6}"/>
+                <a16:creationId xmlns:a16="http://schemas.microsoft.com/office/drawing/2014/main" id="{6D4A34BA-34A6-42AB-9552-AB488BBE2CE6}"/>
               </a:ext>
             </a:extLst>
           </p:cNvPr>
@@ -7286,7 +7279,7 @@
           <p:cNvPr id="7" name="Content Placeholder 6">
             <a:extLst>
               <a:ext uri="{FF2B5EF4-FFF2-40B4-BE49-F238E27FC236}">
-                <a16:creationId xmlns:a16="http://schemas.microsoft.com/office/drawing/2014/main" xmlns="" id="{F1C8B5EC-3F91-44B2-BB1B-9AC28CE1644F}"/>
+                <a16:creationId xmlns:a16="http://schemas.microsoft.com/office/drawing/2014/main" id="{F1C8B5EC-3F91-44B2-BB1B-9AC28CE1644F}"/>
               </a:ext>
             </a:extLst>
           </p:cNvPr>
@@ -7403,7 +7396,7 @@
           <p:cNvPr id="11" name="Content Placeholder 10">
             <a:extLst>
               <a:ext uri="{FF2B5EF4-FFF2-40B4-BE49-F238E27FC236}">
-                <a16:creationId xmlns:a16="http://schemas.microsoft.com/office/drawing/2014/main" xmlns="" id="{C9EF7122-2E39-4A92-8EA1-CA0C75D5B401}"/>
+                <a16:creationId xmlns:a16="http://schemas.microsoft.com/office/drawing/2014/main" id="{C9EF7122-2E39-4A92-8EA1-CA0C75D5B401}"/>
               </a:ext>
             </a:extLst>
           </p:cNvPr>
@@ -7522,7 +7515,7 @@
           <p:cNvPr id="3" name="Picture 2">
             <a:extLst>
               <a:ext uri="{FF2B5EF4-FFF2-40B4-BE49-F238E27FC236}">
-                <a16:creationId xmlns:a16="http://schemas.microsoft.com/office/drawing/2014/main" xmlns="" id="{3FBAAB4C-478E-47B1-8150-A80B44C68799}"/>
+                <a16:creationId xmlns:a16="http://schemas.microsoft.com/office/drawing/2014/main" id="{3FBAAB4C-478E-47B1-8150-A80B44C68799}"/>
               </a:ext>
             </a:extLst>
           </p:cNvPr>
@@ -7552,7 +7545,7 @@
           <p:cNvPr id="8" name="Picture 7">
             <a:extLst>
               <a:ext uri="{FF2B5EF4-FFF2-40B4-BE49-F238E27FC236}">
-                <a16:creationId xmlns:a16="http://schemas.microsoft.com/office/drawing/2014/main" xmlns="" id="{B88D8ED4-AECF-4786-B5DA-0F435886D107}"/>
+                <a16:creationId xmlns:a16="http://schemas.microsoft.com/office/drawing/2014/main" id="{B88D8ED4-AECF-4786-B5DA-0F435886D107}"/>
               </a:ext>
             </a:extLst>
           </p:cNvPr>
@@ -7587,13 +7580,6 @@
   <p:clrMapOvr>
     <a:masterClrMapping/>
   </p:clrMapOvr>
-  <p:timing>
-    <p:tnLst>
-      <p:par>
-        <p:cTn xmlns:p14="http://schemas.microsoft.com/office/powerpoint/2010/main" id="1" dur="indefinite" restart="never" nodeType="tmRoot"/>
-      </p:par>
-    </p:tnLst>
-  </p:timing>
 </p:sld>
 </file>
 
@@ -7619,7 +7605,7 @@
           <p:cNvPr id="5" name="Picture 4">
             <a:extLst>
               <a:ext uri="{FF2B5EF4-FFF2-40B4-BE49-F238E27FC236}">
-                <a16:creationId xmlns:a16="http://schemas.microsoft.com/office/drawing/2014/main" xmlns="" id="{EB6A06C4-49BF-45FC-91BC-7F27117BE003}"/>
+                <a16:creationId xmlns:a16="http://schemas.microsoft.com/office/drawing/2014/main" id="{EB6A06C4-49BF-45FC-91BC-7F27117BE003}"/>
               </a:ext>
             </a:extLst>
           </p:cNvPr>
@@ -7648,7 +7634,7 @@
           <p:cNvPr id="6" name="Title 5">
             <a:extLst>
               <a:ext uri="{FF2B5EF4-FFF2-40B4-BE49-F238E27FC236}">
-                <a16:creationId xmlns:a16="http://schemas.microsoft.com/office/drawing/2014/main" xmlns="" id="{6D4A34BA-34A6-42AB-9552-AB488BBE2CE6}"/>
+                <a16:creationId xmlns:a16="http://schemas.microsoft.com/office/drawing/2014/main" id="{6D4A34BA-34A6-42AB-9552-AB488BBE2CE6}"/>
               </a:ext>
             </a:extLst>
           </p:cNvPr>
@@ -7691,7 +7677,7 @@
           <p:cNvPr id="7" name="Content Placeholder 6">
             <a:extLst>
               <a:ext uri="{FF2B5EF4-FFF2-40B4-BE49-F238E27FC236}">
-                <a16:creationId xmlns:a16="http://schemas.microsoft.com/office/drawing/2014/main" xmlns="" id="{F1C8B5EC-3F91-44B2-BB1B-9AC28CE1644F}"/>
+                <a16:creationId xmlns:a16="http://schemas.microsoft.com/office/drawing/2014/main" id="{F1C8B5EC-3F91-44B2-BB1B-9AC28CE1644F}"/>
               </a:ext>
             </a:extLst>
           </p:cNvPr>
@@ -7808,7 +7794,7 @@
           <p:cNvPr id="11" name="Content Placeholder 10">
             <a:extLst>
               <a:ext uri="{FF2B5EF4-FFF2-40B4-BE49-F238E27FC236}">
-                <a16:creationId xmlns:a16="http://schemas.microsoft.com/office/drawing/2014/main" xmlns="" id="{C9EF7122-2E39-4A92-8EA1-CA0C75D5B401}"/>
+                <a16:creationId xmlns:a16="http://schemas.microsoft.com/office/drawing/2014/main" id="{C9EF7122-2E39-4A92-8EA1-CA0C75D5B401}"/>
               </a:ext>
             </a:extLst>
           </p:cNvPr>
@@ -7898,7 +7884,7 @@
           <p:cNvPr id="4" name="Picture 3">
             <a:extLst>
               <a:ext uri="{FF2B5EF4-FFF2-40B4-BE49-F238E27FC236}">
-                <a16:creationId xmlns:a16="http://schemas.microsoft.com/office/drawing/2014/main" xmlns="" id="{D86736CC-DE47-4578-B794-C4F16722E7FF}"/>
+                <a16:creationId xmlns:a16="http://schemas.microsoft.com/office/drawing/2014/main" id="{D86736CC-DE47-4578-B794-C4F16722E7FF}"/>
               </a:ext>
             </a:extLst>
           </p:cNvPr>
@@ -7928,7 +7914,7 @@
           <p:cNvPr id="10" name="Picture 9">
             <a:extLst>
               <a:ext uri="{FF2B5EF4-FFF2-40B4-BE49-F238E27FC236}">
-                <a16:creationId xmlns:a16="http://schemas.microsoft.com/office/drawing/2014/main" xmlns="" id="{8206B4F6-5526-45FA-AE4B-7445F42823D4}"/>
+                <a16:creationId xmlns:a16="http://schemas.microsoft.com/office/drawing/2014/main" id="{8206B4F6-5526-45FA-AE4B-7445F42823D4}"/>
               </a:ext>
             </a:extLst>
           </p:cNvPr>
@@ -7963,13 +7949,6 @@
   <p:clrMapOvr>
     <a:masterClrMapping/>
   </p:clrMapOvr>
-  <p:timing>
-    <p:tnLst>
-      <p:par>
-        <p:cTn xmlns:p14="http://schemas.microsoft.com/office/powerpoint/2010/main" id="1" dur="indefinite" restart="never" nodeType="tmRoot"/>
-      </p:par>
-    </p:tnLst>
-  </p:timing>
 </p:sld>
 </file>
 
@@ -7995,7 +7974,7 @@
           <p:cNvPr id="5" name="Picture 4">
             <a:extLst>
               <a:ext uri="{FF2B5EF4-FFF2-40B4-BE49-F238E27FC236}">
-                <a16:creationId xmlns:a16="http://schemas.microsoft.com/office/drawing/2014/main" xmlns="" id="{EB6A06C4-49BF-45FC-91BC-7F27117BE003}"/>
+                <a16:creationId xmlns:a16="http://schemas.microsoft.com/office/drawing/2014/main" id="{EB6A06C4-49BF-45FC-91BC-7F27117BE003}"/>
               </a:ext>
             </a:extLst>
           </p:cNvPr>
@@ -8024,7 +8003,7 @@
           <p:cNvPr id="6" name="Title 5">
             <a:extLst>
               <a:ext uri="{FF2B5EF4-FFF2-40B4-BE49-F238E27FC236}">
-                <a16:creationId xmlns:a16="http://schemas.microsoft.com/office/drawing/2014/main" xmlns="" id="{6D4A34BA-34A6-42AB-9552-AB488BBE2CE6}"/>
+                <a16:creationId xmlns:a16="http://schemas.microsoft.com/office/drawing/2014/main" id="{6D4A34BA-34A6-42AB-9552-AB488BBE2CE6}"/>
               </a:ext>
             </a:extLst>
           </p:cNvPr>
@@ -8067,7 +8046,7 @@
           <p:cNvPr id="7" name="Content Placeholder 6">
             <a:extLst>
               <a:ext uri="{FF2B5EF4-FFF2-40B4-BE49-F238E27FC236}">
-                <a16:creationId xmlns:a16="http://schemas.microsoft.com/office/drawing/2014/main" xmlns="" id="{F1C8B5EC-3F91-44B2-BB1B-9AC28CE1644F}"/>
+                <a16:creationId xmlns:a16="http://schemas.microsoft.com/office/drawing/2014/main" id="{F1C8B5EC-3F91-44B2-BB1B-9AC28CE1644F}"/>
               </a:ext>
             </a:extLst>
           </p:cNvPr>
@@ -8862,13 +8841,6 @@
   <p:clrMapOvr>
     <a:masterClrMapping/>
   </p:clrMapOvr>
-  <p:timing>
-    <p:tnLst>
-      <p:par>
-        <p:cTn xmlns:p14="http://schemas.microsoft.com/office/powerpoint/2010/main" id="1" dur="indefinite" restart="never" nodeType="tmRoot"/>
-      </p:par>
-    </p:tnLst>
-  </p:timing>
 </p:sld>
 </file>
 
@@ -8915,7 +8887,7 @@
     </a:clrScheme>
     <a:fontScheme name="Office">
       <a:majorFont>
-        <a:latin typeface="Calibri Light"/>
+        <a:latin typeface="Calibri Light" panose="020F0302020204030204"/>
         <a:ea typeface=""/>
         <a:cs typeface=""/>
         <a:font script="Jpan" typeface="游ゴシック Light"/>
@@ -8967,7 +8939,7 @@
         <a:font script="Tfng" typeface="Ebrima"/>
       </a:majorFont>
       <a:minorFont>
-        <a:latin typeface="Calibri"/>
+        <a:latin typeface="Calibri" panose="020F0502020204030204"/>
         <a:ea typeface=""/>
         <a:cs typeface=""/>
         <a:font script="Jpan" typeface="游ゴシック"/>
@@ -9161,7 +9133,7 @@
   <a:extraClrSchemeLst/>
   <a:extLst>
     <a:ext uri="{05A4C25C-085E-4340-85A3-A5531E510DB2}">
-      <thm15:themeFamily xmlns:thm15="http://schemas.microsoft.com/office/thememl/2012/main" xmlns="" name="Office Theme" id="{62F939B6-93AF-4DB8-9C6B-D6C7DFDC589F}" vid="{4A3C46E8-61CC-4603-A589-7422A47A8E4A}"/>
+      <thm15:themeFamily xmlns:thm15="http://schemas.microsoft.com/office/thememl/2012/main" name="Office Theme" id="{62F939B6-93AF-4DB8-9C6B-D6C7DFDC589F}" vid="{4A3C46E8-61CC-4603-A589-7422A47A8E4A}"/>
     </a:ext>
   </a:extLst>
 </a:theme>
